--- a/Blazor-Server-Demos/wwwroot/data/powerpoint/input-template.pptx
+++ b/Blazor-Server-Demos/wwwroot/data/powerpoint/input-template.pptx
@@ -261,7 +261,7 @@
           <a:p>
             <a:fld id="{5455A7CF-DB6C-4325-93B5-8C3F06D80356}" type="datetimeFigureOut">
               <a:rPr lang="en-US" smtClean="0"/>
-              <a:t>6/14/2023</a:t>
+              <a:t>6/8/2023</a:t>
             </a:fld>
             <a:endParaRPr lang="en-US"/>
           </a:p>
@@ -459,7 +459,7 @@
           <a:p>
             <a:fld id="{5455A7CF-DB6C-4325-93B5-8C3F06D80356}" type="datetimeFigureOut">
               <a:rPr lang="en-US" smtClean="0"/>
-              <a:t>6/14/2023</a:t>
+              <a:t>6/8/2023</a:t>
             </a:fld>
             <a:endParaRPr lang="en-US"/>
           </a:p>
@@ -667,7 +667,7 @@
           <a:p>
             <a:fld id="{5455A7CF-DB6C-4325-93B5-8C3F06D80356}" type="datetimeFigureOut">
               <a:rPr lang="en-US" smtClean="0"/>
-              <a:t>6/14/2023</a:t>
+              <a:t>6/8/2023</a:t>
             </a:fld>
             <a:endParaRPr lang="en-US"/>
           </a:p>
@@ -865,7 +865,7 @@
           <a:p>
             <a:fld id="{5455A7CF-DB6C-4325-93B5-8C3F06D80356}" type="datetimeFigureOut">
               <a:rPr lang="en-US" smtClean="0"/>
-              <a:t>6/14/2023</a:t>
+              <a:t>6/8/2023</a:t>
             </a:fld>
             <a:endParaRPr lang="en-US"/>
           </a:p>
@@ -1140,7 +1140,7 @@
           <a:p>
             <a:fld id="{5455A7CF-DB6C-4325-93B5-8C3F06D80356}" type="datetimeFigureOut">
               <a:rPr lang="en-US" smtClean="0"/>
-              <a:t>6/14/2023</a:t>
+              <a:t>6/8/2023</a:t>
             </a:fld>
             <a:endParaRPr lang="en-US"/>
           </a:p>
@@ -1405,7 +1405,7 @@
           <a:p>
             <a:fld id="{5455A7CF-DB6C-4325-93B5-8C3F06D80356}" type="datetimeFigureOut">
               <a:rPr lang="en-US" smtClean="0"/>
-              <a:t>6/14/2023</a:t>
+              <a:t>6/8/2023</a:t>
             </a:fld>
             <a:endParaRPr lang="en-US"/>
           </a:p>
@@ -1817,7 +1817,7 @@
           <a:p>
             <a:fld id="{5455A7CF-DB6C-4325-93B5-8C3F06D80356}" type="datetimeFigureOut">
               <a:rPr lang="en-US" smtClean="0"/>
-              <a:t>6/14/2023</a:t>
+              <a:t>6/8/2023</a:t>
             </a:fld>
             <a:endParaRPr lang="en-US"/>
           </a:p>
@@ -1958,7 +1958,7 @@
           <a:p>
             <a:fld id="{5455A7CF-DB6C-4325-93B5-8C3F06D80356}" type="datetimeFigureOut">
               <a:rPr lang="en-US" smtClean="0"/>
-              <a:t>6/14/2023</a:t>
+              <a:t>6/8/2023</a:t>
             </a:fld>
             <a:endParaRPr lang="en-US"/>
           </a:p>
@@ -2071,7 +2071,7 @@
           <a:p>
             <a:fld id="{5455A7CF-DB6C-4325-93B5-8C3F06D80356}" type="datetimeFigureOut">
               <a:rPr lang="en-US" smtClean="0"/>
-              <a:t>6/14/2023</a:t>
+              <a:t>6/8/2023</a:t>
             </a:fld>
             <a:endParaRPr lang="en-US"/>
           </a:p>
@@ -2382,7 +2382,7 @@
           <a:p>
             <a:fld id="{5455A7CF-DB6C-4325-93B5-8C3F06D80356}" type="datetimeFigureOut">
               <a:rPr lang="en-US" smtClean="0"/>
-              <a:t>6/14/2023</a:t>
+              <a:t>6/8/2023</a:t>
             </a:fld>
             <a:endParaRPr lang="en-US"/>
           </a:p>
@@ -2670,7 +2670,7 @@
           <a:p>
             <a:fld id="{5455A7CF-DB6C-4325-93B5-8C3F06D80356}" type="datetimeFigureOut">
               <a:rPr lang="en-US" smtClean="0"/>
-              <a:t>6/14/2023</a:t>
+              <a:t>6/8/2023</a:t>
             </a:fld>
             <a:endParaRPr lang="en-US"/>
           </a:p>
@@ -2911,7 +2911,7 @@
           <a:p>
             <a:fld id="{5455A7CF-DB6C-4325-93B5-8C3F06D80356}" type="datetimeFigureOut">
               <a:rPr lang="en-US" smtClean="0"/>
-              <a:t>6/14/2023</a:t>
+              <a:t>6/8/2023</a:t>
             </a:fld>
             <a:endParaRPr lang="en-US"/>
           </a:p>
